--- a/Slides/JavaCore_Session6_QuanLyTepTinDocGhiTextObject.pptx
+++ b/Slides/JavaCore_Session6_QuanLyTepTinDocGhiTextObject.pptx
@@ -9866,36 +9866,6 @@
       </p:sp>
       <p:pic>
         <p:nvPicPr>
-          <p:cNvPr id="8" name="Picture 7">
-            <a:extLst>
-              <a:ext uri="{FF2B5EF4-FFF2-40B4-BE49-F238E27FC236}">
-                <a16:creationId xmlns:a16="http://schemas.microsoft.com/office/drawing/2014/main" id="{07B8982D-3B51-4B2C-AE35-D7A8B37F19D9}"/>
-              </a:ext>
-            </a:extLst>
-          </p:cNvPr>
-          <p:cNvPicPr>
-            <a:picLocks noChangeAspect="1"/>
-          </p:cNvPicPr>
-          <p:nvPr/>
-        </p:nvPicPr>
-        <p:blipFill>
-          <a:blip r:embed="rId2"/>
-          <a:stretch>
-            <a:fillRect/>
-          </a:stretch>
-        </p:blipFill>
-        <p:spPr>
-          <a:xfrm>
-            <a:off x="447762" y="700311"/>
-            <a:ext cx="4768146" cy="3151716"/>
-          </a:xfrm>
-          <a:prstGeom prst="rect">
-            <a:avLst/>
-          </a:prstGeom>
-        </p:spPr>
-      </p:pic>
-      <p:pic>
-        <p:nvPicPr>
           <p:cNvPr id="9" name="Picture 8">
             <a:extLst>
               <a:ext uri="{FF2B5EF4-FFF2-40B4-BE49-F238E27FC236}">
@@ -9909,7 +9879,7 @@
           <p:nvPr/>
         </p:nvPicPr>
         <p:blipFill>
-          <a:blip r:embed="rId3"/>
+          <a:blip r:embed="rId2"/>
           <a:stretch>
             <a:fillRect/>
           </a:stretch>
@@ -9939,7 +9909,7 @@
           <p:nvPr/>
         </p:nvPicPr>
         <p:blipFill>
-          <a:blip r:embed="rId4"/>
+          <a:blip r:embed="rId3"/>
           <a:stretch>
             <a:fillRect/>
           </a:stretch>
@@ -9948,6 +9918,30 @@
           <a:xfrm>
             <a:off x="4913508" y="3973484"/>
             <a:ext cx="3821823" cy="2658082"/>
+          </a:xfrm>
+          <a:prstGeom prst="rect">
+            <a:avLst/>
+          </a:prstGeom>
+        </p:spPr>
+      </p:pic>
+      <p:pic>
+        <p:nvPicPr>
+          <p:cNvPr id="3" name="Picture 2"/>
+          <p:cNvPicPr>
+            <a:picLocks noChangeAspect="1"/>
+          </p:cNvPicPr>
+          <p:nvPr/>
+        </p:nvPicPr>
+        <p:blipFill>
+          <a:blip r:embed="rId4"/>
+          <a:stretch>
+            <a:fillRect/>
+          </a:stretch>
+        </p:blipFill>
+        <p:spPr>
+          <a:xfrm>
+            <a:off x="447762" y="804515"/>
+            <a:ext cx="4371975" cy="2771775"/>
           </a:xfrm>
           <a:prstGeom prst="rect">
             <a:avLst/>
